--- a/Presentation of Project.pptx
+++ b/Presentation of Project.pptx
@@ -4298,6 +4298,9 @@
         <p:txBody>
           <a:bodyPr/>
           <a:p>
+            <a:pPr marL="0" indent="0">
+              <a:buNone/>
+            </a:pPr>
             <a:r>
               <a:rPr lang="en-US"/>
               <a:t>Welcome everyone,</a:t>
